--- a/Document/201005 진행사항 보고.pptx
+++ b/Document/201005 진행사항 보고.pptx
@@ -4875,10 +4875,10 @@
       </p:sp>
       <p:pic>
         <p:nvPicPr>
-          <p:cNvPr id="7" name="그림 6">
+          <p:cNvPr id="8" name="그림 7">
             <a:extLst>
               <a:ext uri="{FF2B5EF4-FFF2-40B4-BE49-F238E27FC236}">
-                <a16:creationId xmlns:a16="http://schemas.microsoft.com/office/drawing/2014/main" id="{97AD129F-1A1A-479D-88EB-8B5660B3F214}"/>
+                <a16:creationId xmlns:a16="http://schemas.microsoft.com/office/drawing/2014/main" id="{D7AB45BF-A2E7-47EC-A7A4-3B41773683EE}"/>
               </a:ext>
             </a:extLst>
           </p:cNvPr>
@@ -4895,8 +4895,8 @@
         </p:blipFill>
         <p:spPr>
           <a:xfrm>
-            <a:off x="395702" y="1911529"/>
-            <a:ext cx="5222900" cy="3936728"/>
+            <a:off x="377443" y="2091653"/>
+            <a:ext cx="4829175" cy="4010025"/>
           </a:xfrm>
           <a:prstGeom prst="rect">
             <a:avLst/>
